--- a/Poster.pptx
+++ b/Poster.pptx
@@ -6901,13 +6901,13 @@
               </a:lnSpc>
             </a:pPr>
             <a:r>
-              <a:rPr lang="en-US" sz="6200" b="1" dirty="0">
+              <a:rPr lang="en-US" sz="6200" b="1">
                 <a:solidFill>
                   <a:srgbClr val="FFFFFF"/>
                 </a:solidFill>
                 <a:latin typeface="Calibri" charset="0"/>
               </a:rPr>
-              <a:t>Revolutionizing ovarian cancer diagnosis: How AI could save thousands of lives</a:t>
+              <a:t>Variable input on 3 channel feature extractors, the solution  which will make doctors obsolete?</a:t>
             </a:r>
           </a:p>
           <a:p>
@@ -6917,13 +6917,22 @@
               </a:lnSpc>
             </a:pPr>
             <a:r>
+              <a:rPr lang="nl-NL" sz="2800" b="1">
+                <a:solidFill>
+                  <a:srgbClr val="FFFFFF"/>
+                </a:solidFill>
+                <a:latin typeface="Calibri" charset="0"/>
+              </a:rPr>
+              <a:t>Sven </a:t>
+            </a:r>
+            <a:r>
               <a:rPr lang="nl-NL" sz="2800" b="1" dirty="0">
                 <a:solidFill>
                   <a:srgbClr val="FFFFFF"/>
                 </a:solidFill>
                 <a:latin typeface="Calibri" charset="0"/>
               </a:rPr>
-              <a:t>Sven Bierenbroodspot</a:t>
+              <a:t>Bierenbroodspot</a:t>
             </a:r>
           </a:p>
         </p:txBody>
@@ -6992,8 +7001,8 @@
         </p:nvSpPr>
         <p:spPr bwMode="auto">
           <a:xfrm>
-            <a:off x="1763713" y="16057512"/>
-            <a:ext cx="8488362" cy="3528715"/>
+            <a:off x="1774019" y="12669829"/>
+            <a:ext cx="8488362" cy="3789563"/>
           </a:xfrm>
           <a:prstGeom prst="rect">
             <a:avLst/>
@@ -7046,7 +7055,7 @@
                 </a:solidFill>
                 <a:latin typeface="Calibri" charset="0"/>
               </a:rPr>
-              <a:t>Ovarian cancer, often diagnosed late, claims over 14,000 lives annually. Radiographic imaging, including CT and MRI scans, aid doctors with tumor classification in order to reach high accuracy. Inspired by successful AI applications in lung cancer, this study explores the applicability of AI techniques, specifically 2D CNNs, in ovarian cancer classification. This study concerns the input for the feature extraction using multiple 2D CNNs. </a:t>
+              <a:t>Ovarian cancer, often diagnosed late, claims over 14,000 lives annually. Radiographic imaging, including CT and MRI scans, aid doctors with tumor classification in order to reach high accuracy. Inspired by successful AI applications in lung cancer, this study explores the applicability of AI techniques, specifically 2D CNNs, in ovarian cancer classification. This study concerns variable inputs for the feature extraction using 2D CNNs. </a:t>
             </a:r>
             <a:endParaRPr lang="nl-NL" sz="1800" dirty="0">
               <a:solidFill>
@@ -7067,7 +7076,7 @@
         </p:nvSpPr>
         <p:spPr bwMode="auto">
           <a:xfrm>
-            <a:off x="11156849" y="12297168"/>
+            <a:off x="11183341" y="12492817"/>
             <a:ext cx="8488363" cy="3789563"/>
           </a:xfrm>
           <a:prstGeom prst="rect">
@@ -7120,41 +7129,6 @@
           </a:p>
         </p:txBody>
       </p:sp>
-      <p:pic>
-        <p:nvPicPr>
-          <p:cNvPr id="3" name="Picture 2" descr="A close-up of an x-ray&#10;&#10;Description automatically generated with medium confidence">
-            <a:extLst>
-              <a:ext uri="{FF2B5EF4-FFF2-40B4-BE49-F238E27FC236}">
-                <a16:creationId xmlns:a16="http://schemas.microsoft.com/office/drawing/2014/main" id="{555C06D1-EDC8-7BCB-FCF9-EEF80D60009C}"/>
-              </a:ext>
-            </a:extLst>
-          </p:cNvPr>
-          <p:cNvPicPr>
-            <a:picLocks noChangeAspect="1"/>
-          </p:cNvPicPr>
-          <p:nvPr/>
-        </p:nvPicPr>
-        <p:blipFill rotWithShape="1">
-          <a:blip r:embed="rId2">
-            <a:extLst>
-              <a:ext uri="{28A0092B-C50C-407E-A947-70E740481C1C}">
-                <a14:useLocalDpi xmlns:a14="http://schemas.microsoft.com/office/drawing/2010/main" val="0"/>
-              </a:ext>
-            </a:extLst>
-          </a:blip>
-          <a:srcRect l="11036" t="3743" r="3284" b="8118"/>
-          <a:stretch/>
-        </p:blipFill>
-        <p:spPr>
-          <a:xfrm>
-            <a:off x="2590603" y="8736608"/>
-            <a:ext cx="6616993" cy="6616993"/>
-          </a:xfrm>
-          <a:prstGeom prst="rect">
-            <a:avLst/>
-          </a:prstGeom>
-        </p:spPr>
-      </p:pic>
       <p:sp>
         <p:nvSpPr>
           <p:cNvPr id="2" name="Text Box 9">
@@ -7171,8 +7145,8 @@
         </p:nvSpPr>
         <p:spPr bwMode="auto">
           <a:xfrm>
-            <a:off x="1763713" y="19586227"/>
-            <a:ext cx="8488362" cy="7416824"/>
+            <a:off x="1774019" y="16575548"/>
+            <a:ext cx="8488362" cy="8044477"/>
           </a:xfrm>
           <a:prstGeom prst="rect">
             <a:avLst/>
@@ -7225,7 +7199,7 @@
                 </a:solidFill>
                 <a:latin typeface="Calibri" charset="0"/>
               </a:rPr>
-              <a:t>The study utilized data from Catharina Hospital in Eindhoven. For this study, only the benign and malignant labels were considered.  Since features were extracted using 2D CNNs, the 3D images needed to be projected onto 2D images. Five image projection methods were considered:</a:t>
+              <a:t>The 3D images are obtained from the Catharina hospital in Eindhoven. These images contain a tumor outline as well as a label.</a:t>
             </a:r>
           </a:p>
           <a:p>
@@ -7243,12 +7217,10 @@
             </a:endParaRPr>
           </a:p>
           <a:p>
-            <a:pPr marL="457200" indent="-457200" defTabSz="2949575">
+            <a:pPr defTabSz="2949575">
               <a:lnSpc>
                 <a:spcPts val="3200"/>
               </a:lnSpc>
-              <a:buFont typeface="+mj-lt"/>
-              <a:buAutoNum type="arabicPeriod"/>
               <a:defRPr/>
             </a:pPr>
             <a:r>
@@ -7258,84 +7230,22 @@
                 </a:solidFill>
                 <a:latin typeface="Calibri" charset="0"/>
               </a:rPr>
-              <a:t>Maximum Intensity Projection (MIP): Selecting the maximum value along the vertical axis.</a:t>
+              <a:t>For the projection methods there are 5 different projections to be considered; Maximum intensity projection, average intensity projection, minimum intensity projection, a slice at the height with the largest part of the tumor, and the maximum intensity projection of only the tumor. </a:t>
             </a:r>
           </a:p>
           <a:p>
-            <a:pPr marL="457200" indent="-457200" defTabSz="2949575">
+            <a:pPr defTabSz="2949575">
               <a:lnSpc>
                 <a:spcPts val="3200"/>
               </a:lnSpc>
-              <a:buFont typeface="+mj-lt"/>
-              <a:buAutoNum type="arabicPeriod"/>
               <a:defRPr/>
             </a:pPr>
-            <a:r>
-              <a:rPr lang="en-US" sz="2400" dirty="0">
-                <a:solidFill>
-                  <a:srgbClr val="000000"/>
-                </a:solidFill>
-                <a:latin typeface="Calibri" charset="0"/>
-              </a:rPr>
-              <a:t>Average Intensity Projection (AIP): Calculating the average value along the vertical axis.</a:t>
-            </a:r>
-          </a:p>
-          <a:p>
-            <a:pPr marL="457200" indent="-457200" defTabSz="2949575">
-              <a:lnSpc>
-                <a:spcPts val="3200"/>
-              </a:lnSpc>
-              <a:buFont typeface="+mj-lt"/>
-              <a:buAutoNum type="arabicPeriod"/>
-              <a:defRPr/>
-            </a:pPr>
-            <a:r>
-              <a:rPr lang="en-US" sz="2400" dirty="0">
-                <a:solidFill>
-                  <a:srgbClr val="000000"/>
-                </a:solidFill>
-                <a:latin typeface="Calibri" charset="0"/>
-              </a:rPr>
-              <a:t>Slice: Considering a slice at a vertical height determined by the tumor's center.</a:t>
-            </a:r>
-          </a:p>
-          <a:p>
-            <a:pPr marL="457200" indent="-457200" defTabSz="2949575">
-              <a:lnSpc>
-                <a:spcPts val="3200"/>
-              </a:lnSpc>
-              <a:buFont typeface="+mj-lt"/>
-              <a:buAutoNum type="arabicPeriod"/>
-              <a:defRPr/>
-            </a:pPr>
-            <a:r>
-              <a:rPr lang="en-US" sz="2400" dirty="0">
-                <a:solidFill>
-                  <a:srgbClr val="000000"/>
-                </a:solidFill>
-                <a:latin typeface="Calibri" charset="0"/>
-              </a:rPr>
-              <a:t>Tumor MIP: Applying MIP only to the tumor by multiplying it with the mask. </a:t>
-            </a:r>
-          </a:p>
-          <a:p>
-            <a:pPr marL="457200" indent="-457200" defTabSz="2949575">
-              <a:lnSpc>
-                <a:spcPts val="3200"/>
-              </a:lnSpc>
-              <a:buFont typeface="+mj-lt"/>
-              <a:buAutoNum type="arabicPeriod"/>
-              <a:defRPr/>
-            </a:pPr>
-            <a:r>
-              <a:rPr lang="en-US" sz="2400" dirty="0">
-                <a:solidFill>
-                  <a:srgbClr val="000000"/>
-                </a:solidFill>
-                <a:latin typeface="Calibri" charset="0"/>
-              </a:rPr>
-              <a:t>Minimum intensity projection: Selecting the minimum value along the vertical axis.</a:t>
-            </a:r>
+            <a:endParaRPr lang="en-US" sz="2400" dirty="0">
+              <a:solidFill>
+                <a:srgbClr val="000000"/>
+              </a:solidFill>
+              <a:latin typeface="Calibri" charset="0"/>
+            </a:endParaRPr>
           </a:p>
           <a:p>
             <a:pPr defTabSz="2949575">
@@ -7351,172 +7261,7 @@
                 </a:solidFill>
                 <a:latin typeface="Calibri" charset="0"/>
               </a:rPr>
-              <a:t> </a:t>
-            </a:r>
-            <a:endParaRPr lang="nl-NL" sz="1800" dirty="0">
-              <a:solidFill>
-                <a:srgbClr val="000000"/>
-              </a:solidFill>
-              <a:latin typeface="Calibri" charset="0"/>
-            </a:endParaRPr>
-          </a:p>
-        </p:txBody>
-      </p:sp>
-      <p:sp>
-        <p:nvSpPr>
-          <p:cNvPr id="4" name="TextBox 3">
-            <a:extLst>
-              <a:ext uri="{FF2B5EF4-FFF2-40B4-BE49-F238E27FC236}">
-                <a16:creationId xmlns:a16="http://schemas.microsoft.com/office/drawing/2014/main" id="{D54F48AE-E455-8C64-3C9F-C582B95148B3}"/>
-              </a:ext>
-            </a:extLst>
-          </p:cNvPr>
-          <p:cNvSpPr txBox="1"/>
-          <p:nvPr/>
-        </p:nvSpPr>
-        <p:spPr>
-          <a:xfrm>
-            <a:off x="5148784" y="15353601"/>
-            <a:ext cx="4761806" cy="384080"/>
-          </a:xfrm>
-          <a:prstGeom prst="rect">
-            <a:avLst/>
-          </a:prstGeom>
-          <a:noFill/>
-        </p:spPr>
-        <p:txBody>
-          <a:bodyPr wrap="square" rtlCol="0">
-            <a:spAutoFit/>
-          </a:bodyPr>
-          <a:lstStyle/>
-          <a:p>
-            <a:pPr marL="0" marR="0" lvl="0" indent="0" algn="l" defTabSz="2949575" rtl="0" eaLnBrk="1" fontAlgn="base" latinLnBrk="0" hangingPunct="1">
-              <a:lnSpc>
-                <a:spcPts val="2400"/>
-              </a:lnSpc>
-              <a:spcBef>
-                <a:spcPct val="0"/>
-              </a:spcBef>
-              <a:spcAft>
-                <a:spcPct val="0"/>
-              </a:spcAft>
-              <a:buClrTx/>
-              <a:buSzTx/>
-              <a:buFontTx/>
-              <a:buNone/>
-              <a:tabLst/>
-              <a:defRPr/>
-            </a:pPr>
-            <a:r>
-              <a:rPr lang="nl-NL" sz="1800" dirty="0" err="1">
-                <a:solidFill>
-                  <a:srgbClr val="000000"/>
-                </a:solidFill>
-                <a:latin typeface="Calibri" charset="0"/>
-              </a:rPr>
-              <a:t>Figure</a:t>
-            </a:r>
-            <a:r>
-              <a:rPr lang="nl-NL" sz="1800" dirty="0">
-                <a:solidFill>
-                  <a:srgbClr val="000000"/>
-                </a:solidFill>
-                <a:latin typeface="Calibri" charset="0"/>
-              </a:rPr>
-              <a:t> 1: 2D Maximum </a:t>
-            </a:r>
-            <a:r>
-              <a:rPr lang="nl-NL" sz="1800" dirty="0" err="1">
-                <a:solidFill>
-                  <a:srgbClr val="000000"/>
-                </a:solidFill>
-                <a:latin typeface="Calibri" charset="0"/>
-              </a:rPr>
-              <a:t>Intensity</a:t>
-            </a:r>
-            <a:r>
-              <a:rPr lang="nl-NL" sz="1800" dirty="0">
-                <a:solidFill>
-                  <a:srgbClr val="000000"/>
-                </a:solidFill>
-                <a:latin typeface="Calibri" charset="0"/>
-              </a:rPr>
-              <a:t> </a:t>
-            </a:r>
-            <a:r>
-              <a:rPr lang="nl-NL" sz="1800" dirty="0" err="1">
-                <a:solidFill>
-                  <a:srgbClr val="000000"/>
-                </a:solidFill>
-                <a:latin typeface="Calibri" charset="0"/>
-              </a:rPr>
-              <a:t>Projection</a:t>
-            </a:r>
-            <a:endParaRPr kumimoji="0" lang="nl-NL" sz="1800" b="0" i="0" u="none" strike="noStrike" kern="1200" cap="none" spc="0" normalizeH="0" baseline="0" noProof="0" dirty="0">
-              <a:ln>
-                <a:noFill/>
-              </a:ln>
-              <a:solidFill>
-                <a:srgbClr val="000000"/>
-              </a:solidFill>
-              <a:effectLst/>
-              <a:uLnTx/>
-              <a:uFillTx/>
-              <a:latin typeface="Calibri" charset="0"/>
-              <a:ea typeface="ＭＳ Ｐゴシック" charset="-128"/>
-              <a:cs typeface="+mn-cs"/>
-            </a:endParaRPr>
-          </a:p>
-        </p:txBody>
-      </p:sp>
-      <p:sp>
-        <p:nvSpPr>
-          <p:cNvPr id="6" name="Text Box 9">
-            <a:extLst>
-              <a:ext uri="{FF2B5EF4-FFF2-40B4-BE49-F238E27FC236}">
-                <a16:creationId xmlns:a16="http://schemas.microsoft.com/office/drawing/2014/main" id="{5FF99E72-B149-34E4-1BB3-F7B49A44E119}"/>
-              </a:ext>
-            </a:extLst>
-          </p:cNvPr>
-          <p:cNvSpPr txBox="1">
-            <a:spLocks noChangeArrowheads="1"/>
-          </p:cNvSpPr>
-          <p:nvPr/>
-        </p:nvSpPr>
-        <p:spPr bwMode="auto">
-          <a:xfrm>
-            <a:off x="11134724" y="8662950"/>
-            <a:ext cx="8488363" cy="3434445"/>
-          </a:xfrm>
-          <a:prstGeom prst="rect">
-            <a:avLst/>
-          </a:prstGeom>
-          <a:noFill/>
-          <a:ln w="9525">
-            <a:noFill/>
-            <a:miter lim="800000"/>
-            <a:headEnd/>
-            <a:tailEnd/>
-          </a:ln>
-        </p:spPr>
-        <p:txBody>
-          <a:bodyPr lIns="0" tIns="0" rIns="0" bIns="0"/>
-          <a:lstStyle/>
-          <a:p>
-            <a:pPr defTabSz="2949575">
-              <a:lnSpc>
-                <a:spcPts val="3200"/>
-              </a:lnSpc>
-              <a:defRPr/>
-            </a:pPr>
-            <a:r>
-              <a:rPr lang="en-US" sz="2400" dirty="0">
-                <a:solidFill>
-                  <a:srgbClr val="000000"/>
-                </a:solidFill>
-                <a:latin typeface="Calibri" charset="0"/>
-              </a:rPr>
-              <a:t>The conventional input for a 3-channel 2D CNN feature extraction for medical images is to copy the only channel 3 times. With variable input the aim is to give the neural network more information in the form of different projections of the same image.</a:t>
+              <a:t>The 2D projections are used as input for the feature extractors. The conventional input for a 3-channel 2D CNN feature extraction for medical images is to copy the only channel 3 times. With variable input the aim is to give the neural network more information in the form of different projections of the same image.</a:t>
             </a:r>
           </a:p>
           <a:p>
@@ -7550,6 +7295,57 @@
               <a:t>To evaluate these feature extraction results a simple SVM is trained 100 times and the best AUC considered as the resulting score for the feature extraction.</a:t>
             </a:r>
           </a:p>
+          <a:p>
+            <a:pPr defTabSz="2949575">
+              <a:lnSpc>
+                <a:spcPts val="3200"/>
+              </a:lnSpc>
+              <a:defRPr/>
+            </a:pPr>
+            <a:endParaRPr lang="en-US" sz="2400" dirty="0">
+              <a:solidFill>
+                <a:srgbClr val="000000"/>
+              </a:solidFill>
+              <a:latin typeface="Calibri" charset="0"/>
+            </a:endParaRPr>
+          </a:p>
+          <a:p>
+            <a:pPr defTabSz="2949575">
+              <a:lnSpc>
+                <a:spcPts val="3200"/>
+              </a:lnSpc>
+              <a:defRPr/>
+            </a:pPr>
+            <a:endParaRPr lang="en-US" sz="2400" dirty="0">
+              <a:solidFill>
+                <a:srgbClr val="000000"/>
+              </a:solidFill>
+              <a:latin typeface="Calibri" charset="0"/>
+            </a:endParaRPr>
+          </a:p>
+          <a:p>
+            <a:pPr defTabSz="2949575">
+              <a:lnSpc>
+                <a:spcPts val="3200"/>
+              </a:lnSpc>
+              <a:defRPr/>
+            </a:pPr>
+            <a:r>
+              <a:rPr lang="en-US" sz="2400" dirty="0">
+                <a:solidFill>
+                  <a:srgbClr val="000000"/>
+                </a:solidFill>
+                <a:latin typeface="Calibri" charset="0"/>
+              </a:rPr>
+              <a:t> </a:t>
+            </a:r>
+            <a:endParaRPr lang="nl-NL" sz="1800" dirty="0">
+              <a:solidFill>
+                <a:srgbClr val="000000"/>
+              </a:solidFill>
+              <a:latin typeface="Calibri" charset="0"/>
+            </a:endParaRPr>
+          </a:p>
         </p:txBody>
       </p:sp>
       <p:pic>
@@ -7567,7 +7363,7 @@
           <p:nvPr/>
         </p:nvPicPr>
         <p:blipFill>
-          <a:blip r:embed="rId3">
+          <a:blip r:embed="rId2">
             <a:extLst>
               <a:ext uri="{28A0092B-C50C-407E-A947-70E740481C1C}">
                 <a14:useLocalDpi xmlns:a14="http://schemas.microsoft.com/office/drawing/2010/main" val="0"/>
@@ -7580,7 +7376,7 @@
         </p:blipFill>
         <p:spPr>
           <a:xfrm>
-            <a:off x="11144472" y="16866863"/>
+            <a:off x="11114669" y="17042557"/>
             <a:ext cx="8498112" cy="8044477"/>
           </a:xfrm>
           <a:prstGeom prst="rect">
@@ -7604,8 +7400,8 @@
         </p:nvSpPr>
         <p:spPr bwMode="auto">
           <a:xfrm>
-            <a:off x="11154221" y="24770803"/>
-            <a:ext cx="8488363" cy="2232248"/>
+            <a:off x="1763713" y="25380201"/>
+            <a:ext cx="17878872" cy="2882863"/>
           </a:xfrm>
           <a:prstGeom prst="rect">
             <a:avLst/>
@@ -7622,7 +7418,7 @@
           <a:bodyPr lIns="0" tIns="0" rIns="0" bIns="0"/>
           <a:lstStyle/>
           <a:p>
-            <a:pPr defTabSz="2949575">
+            <a:pPr algn="ctr" defTabSz="2949575">
               <a:lnSpc>
                 <a:spcPts val="4400"/>
               </a:lnSpc>
@@ -7652,7 +7448,7 @@
                 </a:solidFill>
                 <a:latin typeface="Calibri" charset="0"/>
               </a:rPr>
-              <a:t>There are improvements to be made when considering variable input configurations compared to conventional inputs. However, it is not guaranteed to improve results. In order to obtain the best results, all the configurations have to be considered.</a:t>
+              <a:t>There are improvements to be made when considering variable input configurations compared to conventional inputs. However, it is not guaranteed to improve results. In order to obtain the best results, all the configurations have to be considered. For now the results are not convincing enough to replace the doctors at the hospital, but in combination with other techniques it is bound to change sooner rather than later.</a:t>
             </a:r>
           </a:p>
           <a:p>
@@ -7685,7 +7481,7 @@
         </p:nvSpPr>
         <p:spPr>
           <a:xfrm>
-            <a:off x="13685762" y="16459392"/>
+            <a:off x="13626839" y="16662477"/>
             <a:ext cx="5985942" cy="384080"/>
           </a:xfrm>
           <a:prstGeom prst="rect">
@@ -7757,6 +7553,120 @@
               <a:ea typeface="ＭＳ Ｐゴシック" charset="-128"/>
               <a:cs typeface="+mn-cs"/>
             </a:endParaRPr>
+          </a:p>
+        </p:txBody>
+      </p:sp>
+      <p:pic>
+        <p:nvPicPr>
+          <p:cNvPr id="20" name="Graphic 19">
+            <a:extLst>
+              <a:ext uri="{FF2B5EF4-FFF2-40B4-BE49-F238E27FC236}">
+                <a16:creationId xmlns:a16="http://schemas.microsoft.com/office/drawing/2014/main" id="{C04A5592-6C56-976D-67A0-CD48EA238840}"/>
+              </a:ext>
+            </a:extLst>
+          </p:cNvPr>
+          <p:cNvPicPr>
+            <a:picLocks noChangeAspect="1"/>
+          </p:cNvPicPr>
+          <p:nvPr/>
+        </p:nvPicPr>
+        <p:blipFill>
+          <a:blip r:embed="rId3">
+            <a:extLst>
+              <a:ext uri="{28A0092B-C50C-407E-A947-70E740481C1C}">
+                <a14:useLocalDpi xmlns:a14="http://schemas.microsoft.com/office/drawing/2010/main" val="0"/>
+              </a:ext>
+              <a:ext uri="{96DAC541-7B7A-43D3-8B79-37D633B846F1}">
+                <asvg:svgBlip xmlns:asvg="http://schemas.microsoft.com/office/drawing/2016/SVG/main" r:embed="rId4"/>
+              </a:ext>
+            </a:extLst>
+          </a:blip>
+          <a:stretch>
+            <a:fillRect/>
+          </a:stretch>
+        </p:blipFill>
+        <p:spPr>
+          <a:xfrm>
+            <a:off x="2367199" y="8206704"/>
+            <a:ext cx="15769752" cy="3932090"/>
+          </a:xfrm>
+          <a:prstGeom prst="rect">
+            <a:avLst/>
+          </a:prstGeom>
+        </p:spPr>
+      </p:pic>
+      <p:sp>
+        <p:nvSpPr>
+          <p:cNvPr id="21" name="TextBox 20">
+            <a:extLst>
+              <a:ext uri="{FF2B5EF4-FFF2-40B4-BE49-F238E27FC236}">
+                <a16:creationId xmlns:a16="http://schemas.microsoft.com/office/drawing/2014/main" id="{2D555400-4088-8474-76E2-729C8AF82D30}"/>
+              </a:ext>
+            </a:extLst>
+          </p:cNvPr>
+          <p:cNvSpPr txBox="1"/>
+          <p:nvPr/>
+        </p:nvSpPr>
+        <p:spPr>
+          <a:xfrm>
+            <a:off x="1774977" y="12035631"/>
+            <a:ext cx="5985942" cy="384080"/>
+          </a:xfrm>
+          <a:prstGeom prst="rect">
+            <a:avLst/>
+          </a:prstGeom>
+          <a:noFill/>
+        </p:spPr>
+        <p:txBody>
+          <a:bodyPr wrap="square" rtlCol="0">
+            <a:spAutoFit/>
+          </a:bodyPr>
+          <a:lstStyle/>
+          <a:p>
+            <a:pPr marL="0" marR="0" lvl="0" indent="0" algn="l" defTabSz="2949575" rtl="0" eaLnBrk="1" fontAlgn="base" latinLnBrk="0" hangingPunct="1">
+              <a:lnSpc>
+                <a:spcPts val="2400"/>
+              </a:lnSpc>
+              <a:spcBef>
+                <a:spcPct val="0"/>
+              </a:spcBef>
+              <a:spcAft>
+                <a:spcPct val="0"/>
+              </a:spcAft>
+              <a:buClrTx/>
+              <a:buSzTx/>
+              <a:buFontTx/>
+              <a:buNone/>
+              <a:tabLst/>
+              <a:defRPr/>
+            </a:pPr>
+            <a:r>
+              <a:rPr lang="nl-NL" sz="1800" dirty="0" err="1">
+                <a:solidFill>
+                  <a:srgbClr val="000000"/>
+                </a:solidFill>
+                <a:latin typeface="Calibri" charset="0"/>
+              </a:rPr>
+              <a:t>Figure</a:t>
+            </a:r>
+            <a:r>
+              <a:rPr lang="nl-NL" sz="1800" dirty="0">
+                <a:solidFill>
+                  <a:srgbClr val="000000"/>
+                </a:solidFill>
+                <a:latin typeface="Calibri" charset="0"/>
+              </a:rPr>
+              <a:t> 1: </a:t>
+            </a:r>
+            <a:r>
+              <a:rPr lang="en-US" sz="1800" dirty="0">
+                <a:solidFill>
+                  <a:srgbClr val="000000"/>
+                </a:solidFill>
+                <a:latin typeface="Calibri" charset="0"/>
+              </a:rPr>
+              <a:t>Methods</a:t>
+            </a:r>
           </a:p>
         </p:txBody>
       </p:sp>
@@ -8621,15 +8531,6 @@
 </file>
 
 <file path=customXml/item2.xml><?xml version="1.0" encoding="utf-8"?>
-<?mso-contentType ?>
-<FormTemplates xmlns="http://schemas.microsoft.com/sharepoint/v3/contenttype/forms">
-  <Display>DocumentLibraryForm</Display>
-  <Edit>DocumentLibraryForm</Edit>
-  <New>DocumentLibraryForm</New>
-</FormTemplates>
-</file>
-
-<file path=customXml/item3.xml><?xml version="1.0" encoding="utf-8"?>
 <p:properties xmlns:p="http://schemas.microsoft.com/office/2006/metadata/properties" xmlns:xsi="http://www.w3.org/2001/XMLSchema-instance" xmlns:pc="http://schemas.microsoft.com/office/infopath/2007/PartnerControls">
   <documentManagement>
     <TaxCatchAll xmlns="89addd5d-1b61-4a22-b114-f0fd8c2dcf23" xsi:nil="true"/>
@@ -8638,6 +8539,15 @@
     </lcf76f155ced4ddcb4097134ff3c332f>
   </documentManagement>
 </p:properties>
+</file>
+
+<file path=customXml/item3.xml><?xml version="1.0" encoding="utf-8"?>
+<?mso-contentType ?>
+<FormTemplates xmlns="http://schemas.microsoft.com/sharepoint/v3/contenttype/forms">
+  <Display>DocumentLibraryForm</Display>
+  <Edit>DocumentLibraryForm</Edit>
+  <New>DocumentLibraryForm</New>
+</FormTemplates>
 </file>
 
 <file path=customXml/itemProps1.xml><?xml version="1.0" encoding="utf-8"?>
@@ -8660,14 +8570,6 @@
 </file>
 
 <file path=customXml/itemProps2.xml><?xml version="1.0" encoding="utf-8"?>
-<ds:datastoreItem xmlns:ds="http://schemas.openxmlformats.org/officeDocument/2006/customXml" ds:itemID="{6CC99893-6B41-41FE-B2A6-F93B362DFD95}">
-  <ds:schemaRefs>
-    <ds:schemaRef ds:uri="http://schemas.microsoft.com/sharepoint/v3/contenttype/forms"/>
-  </ds:schemaRefs>
-</ds:datastoreItem>
-</file>
-
-<file path=customXml/itemProps3.xml><?xml version="1.0" encoding="utf-8"?>
 <ds:datastoreItem xmlns:ds="http://schemas.openxmlformats.org/officeDocument/2006/customXml" ds:itemID="{9125C5D5-F820-4F30-91F7-00B78C1899F2}">
   <ds:schemaRefs>
     <ds:schemaRef ds:uri="http://schemas.microsoft.com/office/2006/metadata/properties"/>
@@ -8676,4 +8578,12 @@
     <ds:schemaRef ds:uri="a447070b-6ca3-45cb-96ef-73c9e076e33c"/>
   </ds:schemaRefs>
 </ds:datastoreItem>
+</file>
+
+<file path=customXml/itemProps3.xml><?xml version="1.0" encoding="utf-8"?>
+<ds:datastoreItem xmlns:ds="http://schemas.openxmlformats.org/officeDocument/2006/customXml" ds:itemID="{6CC99893-6B41-41FE-B2A6-F93B362DFD95}">
+  <ds:schemaRefs>
+    <ds:schemaRef ds:uri="http://schemas.microsoft.com/sharepoint/v3/contenttype/forms"/>
+  </ds:schemaRefs>
+</ds:datastoreItem>
 </file>